--- a/docs/csc490 POPCORN final presentation.pptx
+++ b/docs/csc490 POPCORN final presentation.pptx
@@ -5,7 +5,7 @@
     <p:sldMasterId id="2147483648" r:id="rId4"/>
   </p:sldMasterIdLst>
   <p:notesMasterIdLst>
-    <p:notesMasterId r:id="rId19"/>
+    <p:notesMasterId r:id="rId22"/>
   </p:notesMasterIdLst>
   <p:sldIdLst>
     <p:sldId id="256" r:id="rId5"/>
@@ -22,6 +22,9 @@
     <p:sldId id="265" r:id="rId16"/>
     <p:sldId id="282" r:id="rId17"/>
     <p:sldId id="283" r:id="rId18"/>
+    <p:sldId id="284" r:id="rId19"/>
+    <p:sldId id="285" r:id="rId20"/>
+    <p:sldId id="287" r:id="rId21"/>
   </p:sldIdLst>
   <p:sldSz cx="12192000" cy="6858000"/>
   <p:notesSz cx="6858000" cy="9144000"/>
@@ -121,6 +124,31 @@
     </a:lvl9pPr>
   </p:defaultTextStyle>
   <p:extLst>
+    <p:ext uri="{521415D9-36F7-43E2-AB2F-B90AF26B5E84}">
+      <p14:sectionLst xmlns:p14="http://schemas.microsoft.com/office/powerpoint/2010/main">
+        <p14:section name="默认节" id="{2266A774-49FB-4659-9191-D2FF5B0DFA2C}">
+          <p14:sldIdLst>
+            <p14:sldId id="256"/>
+            <p14:sldId id="257"/>
+            <p14:sldId id="276"/>
+            <p14:sldId id="277"/>
+            <p14:sldId id="278"/>
+            <p14:sldId id="258"/>
+            <p14:sldId id="279"/>
+            <p14:sldId id="261"/>
+            <p14:sldId id="280"/>
+            <p14:sldId id="281"/>
+            <p14:sldId id="266"/>
+            <p14:sldId id="265"/>
+            <p14:sldId id="282"/>
+            <p14:sldId id="283"/>
+            <p14:sldId id="284"/>
+            <p14:sldId id="285"/>
+            <p14:sldId id="287"/>
+          </p14:sldIdLst>
+        </p14:section>
+      </p14:sectionLst>
+    </p:ext>
     <p:ext uri="{EFAFB233-063F-42B5-8137-9DF3F51BA10A}">
       <p15:sldGuideLst xmlns:p15="http://schemas.microsoft.com/office/powerpoint/2012/main"/>
     </p:ext>
@@ -222,7 +250,7 @@
           <a:p>
             <a:fld id="{7487ADD9-2083-264C-A652-8D52D02F7E72}" type="datetimeFigureOut">
               <a:rPr lang="en-US" smtClean="0"/>
-              <a:t>11/29/2022</a:t>
+              <a:t>12/1/2022</a:t>
             </a:fld>
             <a:endParaRPr lang="en-US" dirty="0"/>
           </a:p>
@@ -1879,7 +1907,7 @@
             <a:fld id="{5F02DCD1-2C6B-F948-9F72-3BB0CF3D512E}" type="datetime1">
               <a:rPr lang="en-US" smtClean="0"/>
               <a:pPr/>
-              <a:t>11/29/2022</a:t>
+              <a:t>12/1/2022</a:t>
             </a:fld>
             <a:endParaRPr lang="en-US" dirty="0"/>
           </a:p>
@@ -2764,7 +2792,7 @@
             <a:fld id="{C1583C39-01BF-7F43-854C-FBB4E9AB6B0C}" type="datetime1">
               <a:rPr lang="en-US" smtClean="0"/>
               <a:pPr/>
-              <a:t>11/29/2022</a:t>
+              <a:t>12/1/2022</a:t>
             </a:fld>
             <a:endParaRPr lang="en-US" dirty="0"/>
           </a:p>
@@ -3941,7 +3969,7 @@
             <a:fld id="{4B103E64-1627-9140-8127-1849FED275E1}" type="datetime1">
               <a:rPr lang="en-US" smtClean="0"/>
               <a:pPr/>
-              <a:t>11/29/2022</a:t>
+              <a:t>12/1/2022</a:t>
             </a:fld>
             <a:endParaRPr lang="en-US" dirty="0"/>
           </a:p>
@@ -6021,7 +6049,7 @@
             <a:fld id="{DD9C8446-696E-6942-B6C8-CC9CAD0B34E0}" type="datetime1">
               <a:rPr lang="en-US" smtClean="0"/>
               <a:pPr/>
-              <a:t>11/29/2022</a:t>
+              <a:t>12/1/2022</a:t>
             </a:fld>
             <a:endParaRPr lang="en-US" dirty="0"/>
           </a:p>
@@ -6739,7 +6767,7 @@
             <a:fld id="{F5592931-05C6-8543-8B6E-A8BD29BD5C2B}" type="datetime1">
               <a:rPr lang="en-US" smtClean="0"/>
               <a:pPr/>
-              <a:t>11/29/2022</a:t>
+              <a:t>12/1/2022</a:t>
             </a:fld>
             <a:endParaRPr lang="en-US" dirty="0"/>
           </a:p>
@@ -7967,7 +7995,7 @@
             <a:fld id="{7E7AB22C-8B7E-9B4A-8C65-396C3C874D86}" type="datetime1">
               <a:rPr lang="en-US" smtClean="0"/>
               <a:pPr/>
-              <a:t>11/29/2022</a:t>
+              <a:t>12/1/2022</a:t>
             </a:fld>
             <a:endParaRPr lang="en-US" dirty="0"/>
           </a:p>
@@ -8559,7 +8587,7 @@
             <a:fld id="{8CE9AC2A-20AD-8C48-B5EB-B5322BDBCDEE}" type="datetime1">
               <a:rPr lang="en-US" smtClean="0"/>
               <a:pPr/>
-              <a:t>11/29/2022</a:t>
+              <a:t>12/1/2022</a:t>
             </a:fld>
             <a:endParaRPr lang="en-US" dirty="0"/>
           </a:p>
@@ -9032,7 +9060,7 @@
             <a:fld id="{4CF75428-5BE0-934D-BB71-675F8E23A386}" type="datetime1">
               <a:rPr lang="en-US" smtClean="0"/>
               <a:pPr/>
-              <a:t>11/29/2022</a:t>
+              <a:t>12/1/2022</a:t>
             </a:fld>
             <a:endParaRPr lang="en-US" dirty="0"/>
           </a:p>
@@ -9882,7 +9910,7 @@
             <a:fld id="{9A85C5CA-AE29-AB4C-8F85-0373C72001D8}" type="datetime1">
               <a:rPr lang="en-US" smtClean="0"/>
               <a:pPr/>
-              <a:t>11/29/2022</a:t>
+              <a:t>12/1/2022</a:t>
             </a:fld>
             <a:endParaRPr lang="en-US" dirty="0"/>
           </a:p>
@@ -12107,7 +12135,7 @@
             <a:fld id="{75594855-01E8-5A4B-B2B8-E2ECEF879100}" type="datetime1">
               <a:rPr lang="en-US" smtClean="0"/>
               <a:pPr/>
-              <a:t>11/29/2022</a:t>
+              <a:t>12/1/2022</a:t>
             </a:fld>
             <a:endParaRPr lang="en-US" dirty="0"/>
           </a:p>
@@ -12376,7 +12404,7 @@
             <a:fld id="{B562DF68-3089-814D-8A14-C651FE91885E}" type="datetime1">
               <a:rPr lang="en-US" smtClean="0"/>
               <a:pPr/>
-              <a:t>11/29/2022</a:t>
+              <a:t>12/1/2022</a:t>
             </a:fld>
             <a:endParaRPr lang="en-US" dirty="0"/>
           </a:p>
@@ -13235,7 +13263,7 @@
                   <a:spcPts val="600"/>
                 </a:spcAft>
               </a:pPr>
-              <a:t>11/29/2022</a:t>
+              <a:t>12/1/2022</a:t>
             </a:fld>
             <a:endParaRPr lang="en-US"/>
           </a:p>
@@ -13453,7 +13481,7 @@
             <a:fld id="{A42FF1E2-60E5-C540-AA54-7072D5406B0B}" type="datetime1">
               <a:rPr lang="en-US" smtClean="0"/>
               <a:pPr/>
-              <a:t>11/29/2022</a:t>
+              <a:t>12/1/2022</a:t>
             </a:fld>
             <a:endParaRPr lang="en-US" dirty="0"/>
           </a:p>
@@ -13802,7 +13830,7 @@
             <a:fld id="{0B931EDA-BCF8-BB4B-B4D1-2CFE062FA080}" type="datetime1">
               <a:rPr lang="en-US" smtClean="0"/>
               <a:pPr/>
-              <a:t>11/29/2022</a:t>
+              <a:t>12/1/2022</a:t>
             </a:fld>
             <a:endParaRPr lang="en-US" dirty="0"/>
           </a:p>
@@ -14036,7 +14064,7 @@
             <a:fld id="{0B931EDA-BCF8-BB4B-B4D1-2CFE062FA080}" type="datetime1">
               <a:rPr lang="en-US" smtClean="0"/>
               <a:pPr/>
-              <a:t>11/29/2022</a:t>
+              <a:t>12/1/2022</a:t>
             </a:fld>
             <a:endParaRPr lang="en-US" dirty="0"/>
           </a:p>
@@ -14272,7 +14300,7 @@
             <a:fld id="{0B931EDA-BCF8-BB4B-B4D1-2CFE062FA080}" type="datetime1">
               <a:rPr lang="en-US" smtClean="0"/>
               <a:pPr/>
-              <a:t>11/29/2022</a:t>
+              <a:t>12/1/2022</a:t>
             </a:fld>
             <a:endParaRPr lang="en-US" dirty="0"/>
           </a:p>
@@ -14399,6 +14427,852 @@
     <p:extLst>
       <p:ext uri="{BB962C8B-B14F-4D97-AF65-F5344CB8AC3E}">
         <p14:creationId xmlns:p14="http://schemas.microsoft.com/office/powerpoint/2010/main" val="1834841522"/>
+      </p:ext>
+    </p:extLst>
+  </p:cSld>
+  <p:clrMapOvr>
+    <a:masterClrMapping/>
+  </p:clrMapOvr>
+</p:sld>
+</file>
+
+<file path=ppt/slides/slide15.xml><?xml version="1.0" encoding="utf-8"?>
+<p:sld xmlns:a="http://schemas.openxmlformats.org/drawingml/2006/main" xmlns:r="http://schemas.openxmlformats.org/officeDocument/2006/relationships" xmlns:p="http://schemas.openxmlformats.org/presentationml/2006/main">
+  <p:cSld>
+    <p:spTree>
+      <p:nvGrpSpPr>
+        <p:cNvPr id="1" name=""/>
+        <p:cNvGrpSpPr/>
+        <p:nvPr/>
+      </p:nvGrpSpPr>
+      <p:grpSpPr>
+        <a:xfrm>
+          <a:off x="0" y="0"/>
+          <a:ext cx="0" cy="0"/>
+          <a:chOff x="0" y="0"/>
+          <a:chExt cx="0" cy="0"/>
+        </a:xfrm>
+      </p:grpSpPr>
+      <p:sp>
+        <p:nvSpPr>
+          <p:cNvPr id="4" name="日期占位符 3">
+            <a:extLst>
+              <a:ext uri="{FF2B5EF4-FFF2-40B4-BE49-F238E27FC236}">
+                <a16:creationId xmlns:a16="http://schemas.microsoft.com/office/drawing/2014/main" id="{48017536-4EB2-9772-D9A4-C29CCBB02932}"/>
+              </a:ext>
+            </a:extLst>
+          </p:cNvPr>
+          <p:cNvSpPr>
+            <a:spLocks noGrp="1"/>
+          </p:cNvSpPr>
+          <p:nvPr>
+            <p:ph type="dt" sz="half" idx="2"/>
+          </p:nvPr>
+        </p:nvSpPr>
+        <p:spPr/>
+        <p:txBody>
+          <a:bodyPr/>
+          <a:lstStyle/>
+          <a:p>
+            <a:fld id="{C1583C39-01BF-7F43-854C-FBB4E9AB6B0C}" type="datetime1">
+              <a:rPr lang="en-US" smtClean="0"/>
+              <a:pPr/>
+              <a:t>12/1/2022</a:t>
+            </a:fld>
+            <a:endParaRPr lang="en-US" dirty="0"/>
+          </a:p>
+        </p:txBody>
+      </p:sp>
+      <p:sp>
+        <p:nvSpPr>
+          <p:cNvPr id="5" name="页脚占位符 4">
+            <a:extLst>
+              <a:ext uri="{FF2B5EF4-FFF2-40B4-BE49-F238E27FC236}">
+                <a16:creationId xmlns:a16="http://schemas.microsoft.com/office/drawing/2014/main" id="{B3D8EFD1-88AD-2781-4988-D0A3545909E2}"/>
+              </a:ext>
+            </a:extLst>
+          </p:cNvPr>
+          <p:cNvSpPr>
+            <a:spLocks noGrp="1"/>
+          </p:cNvSpPr>
+          <p:nvPr>
+            <p:ph type="ftr" sz="quarter" idx="3"/>
+          </p:nvPr>
+        </p:nvSpPr>
+        <p:spPr/>
+        <p:txBody>
+          <a:bodyPr/>
+          <a:lstStyle/>
+          <a:p>
+            <a:r>
+              <a:rPr lang="en-US"/>
+              <a:t>PRESENTATION TITLE</a:t>
+            </a:r>
+            <a:endParaRPr lang="en-US" dirty="0"/>
+          </a:p>
+        </p:txBody>
+      </p:sp>
+      <p:sp>
+        <p:nvSpPr>
+          <p:cNvPr id="6" name="灯片编号占位符 5">
+            <a:extLst>
+              <a:ext uri="{FF2B5EF4-FFF2-40B4-BE49-F238E27FC236}">
+                <a16:creationId xmlns:a16="http://schemas.microsoft.com/office/drawing/2014/main" id="{A5E8C8F4-2066-3C0D-2AED-AD9FFE4D9924}"/>
+              </a:ext>
+            </a:extLst>
+          </p:cNvPr>
+          <p:cNvSpPr>
+            <a:spLocks noGrp="1"/>
+          </p:cNvSpPr>
+          <p:nvPr>
+            <p:ph type="sldNum" sz="quarter" idx="4"/>
+          </p:nvPr>
+        </p:nvSpPr>
+        <p:spPr/>
+        <p:txBody>
+          <a:bodyPr/>
+          <a:lstStyle/>
+          <a:p>
+            <a:fld id="{294A09A9-5501-47C1-A89A-A340965A2BE2}" type="slidenum">
+              <a:rPr lang="en-US" smtClean="0"/>
+              <a:pPr/>
+              <a:t>15</a:t>
+            </a:fld>
+            <a:endParaRPr lang="en-US" dirty="0"/>
+          </a:p>
+        </p:txBody>
+      </p:sp>
+      <p:sp>
+        <p:nvSpPr>
+          <p:cNvPr id="10" name="文本框 9">
+            <a:extLst>
+              <a:ext uri="{FF2B5EF4-FFF2-40B4-BE49-F238E27FC236}">
+                <a16:creationId xmlns:a16="http://schemas.microsoft.com/office/drawing/2014/main" id="{A32FD0F6-C508-6242-FC42-C452B04F1811}"/>
+              </a:ext>
+            </a:extLst>
+          </p:cNvPr>
+          <p:cNvSpPr txBox="1"/>
+          <p:nvPr/>
+        </p:nvSpPr>
+        <p:spPr>
+          <a:xfrm>
+            <a:off x="754392" y="340454"/>
+            <a:ext cx="4518578" cy="1200329"/>
+          </a:xfrm>
+          <a:prstGeom prst="rect">
+            <a:avLst/>
+          </a:prstGeom>
+          <a:noFill/>
+        </p:spPr>
+        <p:txBody>
+          <a:bodyPr wrap="square">
+            <a:spAutoFit/>
+          </a:bodyPr>
+          <a:lstStyle/>
+          <a:p>
+            <a:r>
+              <a:rPr lang="en-US" dirty="0"/>
+              <a:t>Popularity-Based Recommendations:</a:t>
+            </a:r>
+          </a:p>
+          <a:p>
+            <a:r>
+              <a:rPr lang="en-US" dirty="0"/>
+              <a:t>Recommendation based on collaborative filtering: find users with similar histories and see what movies to watch again</a:t>
+            </a:r>
+          </a:p>
+        </p:txBody>
+      </p:sp>
+      <p:pic>
+        <p:nvPicPr>
+          <p:cNvPr id="11" name="图片 10">
+            <a:extLst>
+              <a:ext uri="{FF2B5EF4-FFF2-40B4-BE49-F238E27FC236}">
+                <a16:creationId xmlns:a16="http://schemas.microsoft.com/office/drawing/2014/main" id="{8CB6863D-6C6C-1ED4-F9A4-728521DFDA8F}"/>
+              </a:ext>
+            </a:extLst>
+          </p:cNvPr>
+          <p:cNvPicPr>
+            <a:picLocks noChangeAspect="1"/>
+          </p:cNvPicPr>
+          <p:nvPr/>
+        </p:nvPicPr>
+        <p:blipFill>
+          <a:blip r:embed="rId2"/>
+          <a:stretch>
+            <a:fillRect/>
+          </a:stretch>
+        </p:blipFill>
+        <p:spPr>
+          <a:xfrm>
+            <a:off x="616766" y="2511705"/>
+            <a:ext cx="6034847" cy="3576579"/>
+          </a:xfrm>
+          <a:prstGeom prst="rect">
+            <a:avLst/>
+          </a:prstGeom>
+        </p:spPr>
+      </p:pic>
+      <p:pic>
+        <p:nvPicPr>
+          <p:cNvPr id="12" name="Picture 2">
+            <a:extLst>
+              <a:ext uri="{FF2B5EF4-FFF2-40B4-BE49-F238E27FC236}">
+                <a16:creationId xmlns:a16="http://schemas.microsoft.com/office/drawing/2014/main" id="{539694C7-6E1E-F435-DE7C-9A1FFED07EB4}"/>
+              </a:ext>
+            </a:extLst>
+          </p:cNvPr>
+          <p:cNvPicPr>
+            <a:picLocks noChangeAspect="1" noChangeArrowheads="1"/>
+          </p:cNvPicPr>
+          <p:nvPr/>
+        </p:nvPicPr>
+        <p:blipFill>
+          <a:blip r:embed="rId3">
+            <a:extLst>
+              <a:ext uri="{28A0092B-C50C-407E-A947-70E740481C1C}">
+                <a14:useLocalDpi xmlns:a14="http://schemas.microsoft.com/office/drawing/2010/main" val="0"/>
+              </a:ext>
+            </a:extLst>
+          </a:blip>
+          <a:srcRect/>
+          <a:stretch>
+            <a:fillRect/>
+          </a:stretch>
+        </p:blipFill>
+        <p:spPr bwMode="auto">
+          <a:xfrm>
+            <a:off x="6651613" y="4113255"/>
+            <a:ext cx="4246337" cy="1095020"/>
+          </a:xfrm>
+          <a:prstGeom prst="rect">
+            <a:avLst/>
+          </a:prstGeom>
+          <a:noFill/>
+          <a:extLst>
+            <a:ext uri="{909E8E84-426E-40DD-AFC4-6F175D3DCCD1}">
+              <a14:hiddenFill xmlns:a14="http://schemas.microsoft.com/office/drawing/2010/main">
+                <a:solidFill>
+                  <a:srgbClr val="FFFFFF"/>
+                </a:solidFill>
+              </a14:hiddenFill>
+            </a:ext>
+          </a:extLst>
+        </p:spPr>
+      </p:pic>
+      <p:sp>
+        <p:nvSpPr>
+          <p:cNvPr id="13" name="文本框 12">
+            <a:extLst>
+              <a:ext uri="{FF2B5EF4-FFF2-40B4-BE49-F238E27FC236}">
+                <a16:creationId xmlns:a16="http://schemas.microsoft.com/office/drawing/2014/main" id="{016B02AA-5DFD-2052-AC2E-5608B308BE26}"/>
+              </a:ext>
+            </a:extLst>
+          </p:cNvPr>
+          <p:cNvSpPr txBox="1"/>
+          <p:nvPr/>
+        </p:nvSpPr>
+        <p:spPr>
+          <a:xfrm>
+            <a:off x="864911" y="2243639"/>
+            <a:ext cx="4518578" cy="461665"/>
+          </a:xfrm>
+          <a:prstGeom prst="rect">
+            <a:avLst/>
+          </a:prstGeom>
+          <a:noFill/>
+        </p:spPr>
+        <p:txBody>
+          <a:bodyPr wrap="square">
+            <a:spAutoFit/>
+          </a:bodyPr>
+          <a:lstStyle/>
+          <a:p>
+            <a:r>
+              <a:rPr lang="en-US" sz="2400" dirty="0">
+                <a:solidFill>
+                  <a:schemeClr val="tx2">
+                    <a:lumMod val="10000"/>
+                  </a:schemeClr>
+                </a:solidFill>
+              </a:rPr>
+              <a:t>user-based CF</a:t>
+            </a:r>
+          </a:p>
+        </p:txBody>
+      </p:sp>
+      <p:sp>
+        <p:nvSpPr>
+          <p:cNvPr id="14" name="文本框 13">
+            <a:extLst>
+              <a:ext uri="{FF2B5EF4-FFF2-40B4-BE49-F238E27FC236}">
+                <a16:creationId xmlns:a16="http://schemas.microsoft.com/office/drawing/2014/main" id="{B70B73EB-3AEF-077D-ACE1-3CA221DEEC3D}"/>
+              </a:ext>
+            </a:extLst>
+          </p:cNvPr>
+          <p:cNvSpPr txBox="1"/>
+          <p:nvPr/>
+        </p:nvSpPr>
+        <p:spPr>
+          <a:xfrm>
+            <a:off x="6651613" y="3188337"/>
+            <a:ext cx="4518578" cy="369332"/>
+          </a:xfrm>
+          <a:prstGeom prst="rect">
+            <a:avLst/>
+          </a:prstGeom>
+          <a:noFill/>
+        </p:spPr>
+        <p:txBody>
+          <a:bodyPr wrap="square">
+            <a:spAutoFit/>
+          </a:bodyPr>
+          <a:lstStyle/>
+          <a:p>
+            <a:r>
+              <a:rPr lang="en-US" dirty="0"/>
+              <a:t>item-based CF</a:t>
+            </a:r>
+          </a:p>
+        </p:txBody>
+      </p:sp>
+    </p:spTree>
+    <p:extLst>
+      <p:ext uri="{BB962C8B-B14F-4D97-AF65-F5344CB8AC3E}">
+        <p14:creationId xmlns:p14="http://schemas.microsoft.com/office/powerpoint/2010/main" val="3059125503"/>
+      </p:ext>
+    </p:extLst>
+  </p:cSld>
+  <p:clrMapOvr>
+    <a:masterClrMapping/>
+  </p:clrMapOvr>
+</p:sld>
+</file>
+
+<file path=ppt/slides/slide16.xml><?xml version="1.0" encoding="utf-8"?>
+<p:sld xmlns:a="http://schemas.openxmlformats.org/drawingml/2006/main" xmlns:r="http://schemas.openxmlformats.org/officeDocument/2006/relationships" xmlns:p="http://schemas.openxmlformats.org/presentationml/2006/main">
+  <p:cSld>
+    <p:spTree>
+      <p:nvGrpSpPr>
+        <p:cNvPr id="1" name=""/>
+        <p:cNvGrpSpPr/>
+        <p:nvPr/>
+      </p:nvGrpSpPr>
+      <p:grpSpPr>
+        <a:xfrm>
+          <a:off x="0" y="0"/>
+          <a:ext cx="0" cy="0"/>
+          <a:chOff x="0" y="0"/>
+          <a:chExt cx="0" cy="0"/>
+        </a:xfrm>
+      </p:grpSpPr>
+      <p:sp>
+        <p:nvSpPr>
+          <p:cNvPr id="4" name="日期占位符 3">
+            <a:extLst>
+              <a:ext uri="{FF2B5EF4-FFF2-40B4-BE49-F238E27FC236}">
+                <a16:creationId xmlns:a16="http://schemas.microsoft.com/office/drawing/2014/main" id="{71B687F4-7F72-0683-1EA5-5D539EA35F8F}"/>
+              </a:ext>
+            </a:extLst>
+          </p:cNvPr>
+          <p:cNvSpPr>
+            <a:spLocks noGrp="1"/>
+          </p:cNvSpPr>
+          <p:nvPr>
+            <p:ph type="dt" sz="half" idx="2"/>
+          </p:nvPr>
+        </p:nvSpPr>
+        <p:spPr/>
+        <p:txBody>
+          <a:bodyPr/>
+          <a:lstStyle/>
+          <a:p>
+            <a:fld id="{C1583C39-01BF-7F43-854C-FBB4E9AB6B0C}" type="datetime1">
+              <a:rPr lang="en-US" smtClean="0"/>
+              <a:pPr/>
+              <a:t>12/1/2022</a:t>
+            </a:fld>
+            <a:endParaRPr lang="en-US" dirty="0"/>
+          </a:p>
+        </p:txBody>
+      </p:sp>
+      <p:sp>
+        <p:nvSpPr>
+          <p:cNvPr id="5" name="页脚占位符 4">
+            <a:extLst>
+              <a:ext uri="{FF2B5EF4-FFF2-40B4-BE49-F238E27FC236}">
+                <a16:creationId xmlns:a16="http://schemas.microsoft.com/office/drawing/2014/main" id="{ECEE9C9B-B5FA-EA65-440A-A5CD474E621F}"/>
+              </a:ext>
+            </a:extLst>
+          </p:cNvPr>
+          <p:cNvSpPr>
+            <a:spLocks noGrp="1"/>
+          </p:cNvSpPr>
+          <p:nvPr>
+            <p:ph type="ftr" sz="quarter" idx="3"/>
+          </p:nvPr>
+        </p:nvSpPr>
+        <p:spPr/>
+        <p:txBody>
+          <a:bodyPr/>
+          <a:lstStyle/>
+          <a:p>
+            <a:r>
+              <a:rPr lang="en-US"/>
+              <a:t>PRESENTATION TITLE</a:t>
+            </a:r>
+            <a:endParaRPr lang="en-US" dirty="0"/>
+          </a:p>
+        </p:txBody>
+      </p:sp>
+      <p:sp>
+        <p:nvSpPr>
+          <p:cNvPr id="6" name="灯片编号占位符 5">
+            <a:extLst>
+              <a:ext uri="{FF2B5EF4-FFF2-40B4-BE49-F238E27FC236}">
+                <a16:creationId xmlns:a16="http://schemas.microsoft.com/office/drawing/2014/main" id="{18822F1E-F7CF-1B18-F388-4E73649C4D6E}"/>
+              </a:ext>
+            </a:extLst>
+          </p:cNvPr>
+          <p:cNvSpPr>
+            <a:spLocks noGrp="1"/>
+          </p:cNvSpPr>
+          <p:nvPr>
+            <p:ph type="sldNum" sz="quarter" idx="4"/>
+          </p:nvPr>
+        </p:nvSpPr>
+        <p:spPr/>
+        <p:txBody>
+          <a:bodyPr/>
+          <a:lstStyle/>
+          <a:p>
+            <a:fld id="{294A09A9-5501-47C1-A89A-A340965A2BE2}" type="slidenum">
+              <a:rPr lang="en-US" smtClean="0"/>
+              <a:pPr/>
+              <a:t>16</a:t>
+            </a:fld>
+            <a:endParaRPr lang="en-US" dirty="0"/>
+          </a:p>
+        </p:txBody>
+      </p:sp>
+      <p:pic>
+        <p:nvPicPr>
+          <p:cNvPr id="11" name="图片 10">
+            <a:extLst>
+              <a:ext uri="{FF2B5EF4-FFF2-40B4-BE49-F238E27FC236}">
+                <a16:creationId xmlns:a16="http://schemas.microsoft.com/office/drawing/2014/main" id="{2151B601-1301-215E-F1D0-6A488EA2D4CD}"/>
+              </a:ext>
+            </a:extLst>
+          </p:cNvPr>
+          <p:cNvPicPr>
+            <a:picLocks noChangeAspect="1"/>
+          </p:cNvPicPr>
+          <p:nvPr/>
+        </p:nvPicPr>
+        <p:blipFill>
+          <a:blip r:embed="rId2"/>
+          <a:stretch>
+            <a:fillRect/>
+          </a:stretch>
+        </p:blipFill>
+        <p:spPr>
+          <a:xfrm>
+            <a:off x="3246379" y="16019"/>
+            <a:ext cx="5066101" cy="6841981"/>
+          </a:xfrm>
+          <a:prstGeom prst="rect">
+            <a:avLst/>
+          </a:prstGeom>
+        </p:spPr>
+      </p:pic>
+      <p:sp>
+        <p:nvSpPr>
+          <p:cNvPr id="12" name="文本框 11">
+            <a:extLst>
+              <a:ext uri="{FF2B5EF4-FFF2-40B4-BE49-F238E27FC236}">
+                <a16:creationId xmlns:a16="http://schemas.microsoft.com/office/drawing/2014/main" id="{4D1F81C8-4EE4-7694-1DF1-28A7437F6D61}"/>
+              </a:ext>
+            </a:extLst>
+          </p:cNvPr>
+          <p:cNvSpPr txBox="1"/>
+          <p:nvPr/>
+        </p:nvSpPr>
+        <p:spPr>
+          <a:xfrm>
+            <a:off x="1854335" y="16020"/>
+            <a:ext cx="6096000" cy="461665"/>
+          </a:xfrm>
+          <a:prstGeom prst="rect">
+            <a:avLst/>
+          </a:prstGeom>
+          <a:noFill/>
+        </p:spPr>
+        <p:txBody>
+          <a:bodyPr wrap="square">
+            <a:spAutoFit/>
+          </a:bodyPr>
+          <a:lstStyle/>
+          <a:p>
+            <a:r>
+              <a:rPr lang="en-US" sz="2400" b="1" dirty="0">
+                <a:solidFill>
+                  <a:srgbClr val="494949"/>
+                </a:solidFill>
+                <a:latin typeface="DDG_ProximaNova"/>
+              </a:rPr>
+              <a:t>convolutional neural network- CNN</a:t>
+            </a:r>
+            <a:endParaRPr lang="en-US" sz="2400" b="1" dirty="0"/>
+          </a:p>
+        </p:txBody>
+      </p:sp>
+      <p:sp>
+        <p:nvSpPr>
+          <p:cNvPr id="13" name="文本框 12">
+            <a:extLst>
+              <a:ext uri="{FF2B5EF4-FFF2-40B4-BE49-F238E27FC236}">
+                <a16:creationId xmlns:a16="http://schemas.microsoft.com/office/drawing/2014/main" id="{BDACF9D2-B180-2E69-CCB6-3205EC6D5B97}"/>
+              </a:ext>
+            </a:extLst>
+          </p:cNvPr>
+          <p:cNvSpPr txBox="1"/>
+          <p:nvPr/>
+        </p:nvSpPr>
+        <p:spPr>
+          <a:xfrm>
+            <a:off x="0" y="1588923"/>
+            <a:ext cx="2472612" cy="4524315"/>
+          </a:xfrm>
+          <a:prstGeom prst="rect">
+            <a:avLst/>
+          </a:prstGeom>
+          <a:noFill/>
+        </p:spPr>
+        <p:txBody>
+          <a:bodyPr wrap="square">
+            <a:spAutoFit/>
+          </a:bodyPr>
+          <a:lstStyle/>
+          <a:p>
+            <a:r>
+              <a:rPr lang="en-US" sz="2400" dirty="0"/>
+              <a:t>1.Recommended films in the same genre</a:t>
+            </a:r>
+          </a:p>
+          <a:p>
+            <a:r>
+              <a:rPr lang="en-US" sz="2400" dirty="0"/>
+              <a:t>2.recommending movies that users like</a:t>
+            </a:r>
+          </a:p>
+          <a:p>
+            <a:r>
+              <a:rPr lang="en-US" sz="2400" dirty="0"/>
+              <a:t>3. What other movies have people who have seen this movie watched (or liked)</a:t>
+            </a:r>
+          </a:p>
+        </p:txBody>
+      </p:sp>
+      <p:sp>
+        <p:nvSpPr>
+          <p:cNvPr id="14" name="文本框 13">
+            <a:extLst>
+              <a:ext uri="{FF2B5EF4-FFF2-40B4-BE49-F238E27FC236}">
+                <a16:creationId xmlns:a16="http://schemas.microsoft.com/office/drawing/2014/main" id="{5165AEC9-166D-E9A0-6804-463FFA375C3E}"/>
+              </a:ext>
+            </a:extLst>
+          </p:cNvPr>
+          <p:cNvSpPr txBox="1"/>
+          <p:nvPr/>
+        </p:nvSpPr>
+        <p:spPr>
+          <a:xfrm>
+            <a:off x="8529445" y="1118191"/>
+            <a:ext cx="2686205" cy="1938992"/>
+          </a:xfrm>
+          <a:prstGeom prst="rect">
+            <a:avLst/>
+          </a:prstGeom>
+          <a:noFill/>
+        </p:spPr>
+        <p:txBody>
+          <a:bodyPr wrap="square">
+            <a:spAutoFit/>
+          </a:bodyPr>
+          <a:lstStyle/>
+          <a:p>
+            <a:r>
+              <a:rPr lang="en-US" sz="2400" dirty="0"/>
+              <a:t>train model-test model-Adjusting model parameters-Predictions for new users</a:t>
+            </a:r>
+          </a:p>
+        </p:txBody>
+      </p:sp>
+    </p:spTree>
+    <p:extLst>
+      <p:ext uri="{BB962C8B-B14F-4D97-AF65-F5344CB8AC3E}">
+        <p14:creationId xmlns:p14="http://schemas.microsoft.com/office/powerpoint/2010/main" val="1501587349"/>
+      </p:ext>
+    </p:extLst>
+  </p:cSld>
+  <p:clrMapOvr>
+    <a:masterClrMapping/>
+  </p:clrMapOvr>
+</p:sld>
+</file>
+
+<file path=ppt/slides/slide17.xml><?xml version="1.0" encoding="utf-8"?>
+<p:sld xmlns:a="http://schemas.openxmlformats.org/drawingml/2006/main" xmlns:r="http://schemas.openxmlformats.org/officeDocument/2006/relationships" xmlns:p="http://schemas.openxmlformats.org/presentationml/2006/main">
+  <p:cSld>
+    <p:spTree>
+      <p:nvGrpSpPr>
+        <p:cNvPr id="1" name=""/>
+        <p:cNvGrpSpPr/>
+        <p:nvPr/>
+      </p:nvGrpSpPr>
+      <p:grpSpPr>
+        <a:xfrm>
+          <a:off x="0" y="0"/>
+          <a:ext cx="0" cy="0"/>
+          <a:chOff x="0" y="0"/>
+          <a:chExt cx="0" cy="0"/>
+        </a:xfrm>
+      </p:grpSpPr>
+      <p:sp>
+        <p:nvSpPr>
+          <p:cNvPr id="4" name="日期占位符 3">
+            <a:extLst>
+              <a:ext uri="{FF2B5EF4-FFF2-40B4-BE49-F238E27FC236}">
+                <a16:creationId xmlns:a16="http://schemas.microsoft.com/office/drawing/2014/main" id="{3240C728-2813-66D3-A333-AAD384AD7D67}"/>
+              </a:ext>
+            </a:extLst>
+          </p:cNvPr>
+          <p:cNvSpPr>
+            <a:spLocks noGrp="1"/>
+          </p:cNvSpPr>
+          <p:nvPr>
+            <p:ph type="dt" sz="half" idx="2"/>
+          </p:nvPr>
+        </p:nvSpPr>
+        <p:spPr/>
+        <p:txBody>
+          <a:bodyPr/>
+          <a:lstStyle/>
+          <a:p>
+            <a:fld id="{C1583C39-01BF-7F43-854C-FBB4E9AB6B0C}" type="datetime1">
+              <a:rPr lang="en-US" smtClean="0"/>
+              <a:pPr/>
+              <a:t>12/1/2022</a:t>
+            </a:fld>
+            <a:endParaRPr lang="en-US" dirty="0"/>
+          </a:p>
+        </p:txBody>
+      </p:sp>
+      <p:sp>
+        <p:nvSpPr>
+          <p:cNvPr id="5" name="页脚占位符 4">
+            <a:extLst>
+              <a:ext uri="{FF2B5EF4-FFF2-40B4-BE49-F238E27FC236}">
+                <a16:creationId xmlns:a16="http://schemas.microsoft.com/office/drawing/2014/main" id="{4153A701-2973-B4BF-4484-58F3B3A90D6D}"/>
+              </a:ext>
+            </a:extLst>
+          </p:cNvPr>
+          <p:cNvSpPr>
+            <a:spLocks noGrp="1"/>
+          </p:cNvSpPr>
+          <p:nvPr>
+            <p:ph type="ftr" sz="quarter" idx="3"/>
+          </p:nvPr>
+        </p:nvSpPr>
+        <p:spPr/>
+        <p:txBody>
+          <a:bodyPr/>
+          <a:lstStyle/>
+          <a:p>
+            <a:r>
+              <a:rPr lang="en-US"/>
+              <a:t>PRESENTATION TITLE</a:t>
+            </a:r>
+            <a:endParaRPr lang="en-US" dirty="0"/>
+          </a:p>
+        </p:txBody>
+      </p:sp>
+      <p:sp>
+        <p:nvSpPr>
+          <p:cNvPr id="6" name="灯片编号占位符 5">
+            <a:extLst>
+              <a:ext uri="{FF2B5EF4-FFF2-40B4-BE49-F238E27FC236}">
+                <a16:creationId xmlns:a16="http://schemas.microsoft.com/office/drawing/2014/main" id="{03A06217-5C00-7A0B-8CBE-41132669FC24}"/>
+              </a:ext>
+            </a:extLst>
+          </p:cNvPr>
+          <p:cNvSpPr>
+            <a:spLocks noGrp="1"/>
+          </p:cNvSpPr>
+          <p:nvPr>
+            <p:ph type="sldNum" sz="quarter" idx="4"/>
+          </p:nvPr>
+        </p:nvSpPr>
+        <p:spPr/>
+        <p:txBody>
+          <a:bodyPr/>
+          <a:lstStyle/>
+          <a:p>
+            <a:fld id="{294A09A9-5501-47C1-A89A-A340965A2BE2}" type="slidenum">
+              <a:rPr lang="en-US" smtClean="0"/>
+              <a:pPr/>
+              <a:t>17</a:t>
+            </a:fld>
+            <a:endParaRPr lang="en-US" dirty="0"/>
+          </a:p>
+        </p:txBody>
+      </p:sp>
+      <p:pic>
+        <p:nvPicPr>
+          <p:cNvPr id="11" name="图片 10">
+            <a:extLst>
+              <a:ext uri="{FF2B5EF4-FFF2-40B4-BE49-F238E27FC236}">
+                <a16:creationId xmlns:a16="http://schemas.microsoft.com/office/drawing/2014/main" id="{4EDE2A73-BA29-2348-4CA9-19BFFD5FE667}"/>
+              </a:ext>
+            </a:extLst>
+          </p:cNvPr>
+          <p:cNvPicPr>
+            <a:picLocks noChangeAspect="1"/>
+          </p:cNvPicPr>
+          <p:nvPr/>
+        </p:nvPicPr>
+        <p:blipFill>
+          <a:blip r:embed="rId2"/>
+          <a:stretch>
+            <a:fillRect/>
+          </a:stretch>
+        </p:blipFill>
+        <p:spPr>
+          <a:xfrm>
+            <a:off x="7221882" y="3305414"/>
+            <a:ext cx="3432238" cy="2247298"/>
+          </a:xfrm>
+          <a:prstGeom prst="rect">
+            <a:avLst/>
+          </a:prstGeom>
+        </p:spPr>
+      </p:pic>
+      <p:pic>
+        <p:nvPicPr>
+          <p:cNvPr id="13" name="图片 12">
+            <a:extLst>
+              <a:ext uri="{FF2B5EF4-FFF2-40B4-BE49-F238E27FC236}">
+                <a16:creationId xmlns:a16="http://schemas.microsoft.com/office/drawing/2014/main" id="{989DCBDA-276C-4B19-49C3-B5798565D76F}"/>
+              </a:ext>
+            </a:extLst>
+          </p:cNvPr>
+          <p:cNvPicPr>
+            <a:picLocks noChangeAspect="1"/>
+          </p:cNvPicPr>
+          <p:nvPr/>
+        </p:nvPicPr>
+        <p:blipFill>
+          <a:blip r:embed="rId3"/>
+          <a:stretch>
+            <a:fillRect/>
+          </a:stretch>
+        </p:blipFill>
+        <p:spPr>
+          <a:xfrm>
+            <a:off x="7221882" y="899660"/>
+            <a:ext cx="3760255" cy="2405754"/>
+          </a:xfrm>
+          <a:prstGeom prst="rect">
+            <a:avLst/>
+          </a:prstGeom>
+        </p:spPr>
+      </p:pic>
+      <p:pic>
+        <p:nvPicPr>
+          <p:cNvPr id="14" name="Picture 2">
+            <a:extLst>
+              <a:ext uri="{FF2B5EF4-FFF2-40B4-BE49-F238E27FC236}">
+                <a16:creationId xmlns:a16="http://schemas.microsoft.com/office/drawing/2014/main" id="{AB9BAC75-187F-EB59-2673-72C2E7883011}"/>
+              </a:ext>
+            </a:extLst>
+          </p:cNvPr>
+          <p:cNvPicPr>
+            <a:picLocks noChangeAspect="1" noChangeArrowheads="1"/>
+          </p:cNvPicPr>
+          <p:nvPr/>
+        </p:nvPicPr>
+        <p:blipFill>
+          <a:blip r:embed="rId4">
+            <a:extLst>
+              <a:ext uri="{28A0092B-C50C-407E-A947-70E740481C1C}">
+                <a14:useLocalDpi xmlns:a14="http://schemas.microsoft.com/office/drawing/2010/main" val="0"/>
+              </a:ext>
+            </a:extLst>
+          </a:blip>
+          <a:srcRect/>
+          <a:stretch>
+            <a:fillRect/>
+          </a:stretch>
+        </p:blipFill>
+        <p:spPr bwMode="auto">
+          <a:xfrm>
+            <a:off x="468290" y="1665515"/>
+            <a:ext cx="6810375" cy="3657600"/>
+          </a:xfrm>
+          <a:prstGeom prst="rect">
+            <a:avLst/>
+          </a:prstGeom>
+          <a:noFill/>
+          <a:extLst>
+            <a:ext uri="{909E8E84-426E-40DD-AFC4-6F175D3DCCD1}">
+              <a14:hiddenFill xmlns:a14="http://schemas.microsoft.com/office/drawing/2010/main">
+                <a:solidFill>
+                  <a:srgbClr val="FFFFFF"/>
+                </a:solidFill>
+              </a14:hiddenFill>
+            </a:ext>
+          </a:extLst>
+        </p:spPr>
+      </p:pic>
+      <p:sp>
+        <p:nvSpPr>
+          <p:cNvPr id="16" name="文本框 15">
+            <a:extLst>
+              <a:ext uri="{FF2B5EF4-FFF2-40B4-BE49-F238E27FC236}">
+                <a16:creationId xmlns:a16="http://schemas.microsoft.com/office/drawing/2014/main" id="{0D8DA760-EF96-57A8-3391-B685755E1A61}"/>
+              </a:ext>
+            </a:extLst>
+          </p:cNvPr>
+          <p:cNvSpPr txBox="1"/>
+          <p:nvPr/>
+        </p:nvSpPr>
+        <p:spPr>
+          <a:xfrm>
+            <a:off x="1181111" y="447614"/>
+            <a:ext cx="6097554" cy="369332"/>
+          </a:xfrm>
+          <a:prstGeom prst="rect">
+            <a:avLst/>
+          </a:prstGeom>
+          <a:noFill/>
+        </p:spPr>
+        <p:txBody>
+          <a:bodyPr wrap="square">
+            <a:spAutoFit/>
+          </a:bodyPr>
+          <a:lstStyle/>
+          <a:p>
+            <a:r>
+              <a:rPr lang="en-US" dirty="0"/>
+              <a:t>CNN model performance</a:t>
+            </a:r>
+          </a:p>
+        </p:txBody>
+      </p:sp>
+    </p:spTree>
+    <p:extLst>
+      <p:ext uri="{BB962C8B-B14F-4D97-AF65-F5344CB8AC3E}">
+        <p14:creationId xmlns:p14="http://schemas.microsoft.com/office/powerpoint/2010/main" val="3878801509"/>
       </p:ext>
     </p:extLst>
   </p:cSld>
@@ -14487,7 +15361,7 @@
             <a:fld id="{495D8227-9DE4-4D42-8C1B-E10C828BC634}" type="datetime1">
               <a:rPr lang="en-US" smtClean="0"/>
               <a:pPr/>
-              <a:t>11/29/2022</a:t>
+              <a:t>12/1/2022</a:t>
             </a:fld>
             <a:endParaRPr lang="en-US" dirty="0"/>
           </a:p>
@@ -14729,7 +15603,7 @@
             <a:fld id="{495D8227-9DE4-4D42-8C1B-E10C828BC634}" type="datetime1">
               <a:rPr lang="en-US" smtClean="0"/>
               <a:pPr/>
-              <a:t>11/29/2022</a:t>
+              <a:t>12/1/2022</a:t>
             </a:fld>
             <a:endParaRPr lang="en-US" dirty="0"/>
           </a:p>
@@ -14971,7 +15845,7 @@
             <a:fld id="{495D8227-9DE4-4D42-8C1B-E10C828BC634}" type="datetime1">
               <a:rPr lang="en-US" smtClean="0"/>
               <a:pPr/>
-              <a:t>11/29/2022</a:t>
+              <a:t>12/1/2022</a:t>
             </a:fld>
             <a:endParaRPr lang="en-US" dirty="0"/>
           </a:p>
@@ -15219,7 +16093,7 @@
             <a:fld id="{495D8227-9DE4-4D42-8C1B-E10C828BC634}" type="datetime1">
               <a:rPr lang="en-US" smtClean="0"/>
               <a:pPr/>
-              <a:t>11/29/2022</a:t>
+              <a:t>12/1/2022</a:t>
             </a:fld>
             <a:endParaRPr lang="en-US" dirty="0"/>
           </a:p>
@@ -15504,7 +16378,7 @@
             <a:fld id="{E1707CF3-9BC4-A745-ACDA-A73543D800FE}" type="datetime1">
               <a:rPr lang="en-US" smtClean="0"/>
               <a:pPr/>
-              <a:t>11/29/2022</a:t>
+              <a:t>12/1/2022</a:t>
             </a:fld>
             <a:endParaRPr lang="en-US" dirty="0"/>
           </a:p>
@@ -15708,7 +16582,7 @@
             <a:fld id="{E1707CF3-9BC4-A745-ACDA-A73543D800FE}" type="datetime1">
               <a:rPr lang="en-US" smtClean="0"/>
               <a:pPr/>
-              <a:t>11/29/2022</a:t>
+              <a:t>12/1/2022</a:t>
             </a:fld>
             <a:endParaRPr lang="en-US" dirty="0"/>
           </a:p>
@@ -15863,7 +16737,7 @@
           <a:p>
             <a:fld id="{C098A06B-52D8-C143-AE54-C8C950480C5A}" type="datetime1">
               <a:rPr lang="en-US" smtClean="0"/>
-              <a:t>11/29/2022</a:t>
+              <a:t>12/1/2022</a:t>
             </a:fld>
             <a:endParaRPr lang="en-US" dirty="0"/>
           </a:p>
@@ -16044,7 +16918,7 @@
           <a:p>
             <a:fld id="{C098A06B-52D8-C143-AE54-C8C950480C5A}" type="datetime1">
               <a:rPr lang="en-US" smtClean="0"/>
-              <a:t>11/29/2022</a:t>
+              <a:t>12/1/2022</a:t>
             </a:fld>
             <a:endParaRPr lang="en-US" dirty="0"/>
           </a:p>
@@ -16654,21 +17528,6 @@
 </file>
 
 <file path=customXml/item1.xml><?xml version="1.0" encoding="utf-8"?>
-<p:properties xmlns:p="http://schemas.microsoft.com/office/2006/metadata/properties" xmlns:xsi="http://www.w3.org/2001/XMLSchema-instance" xmlns:pc="http://schemas.microsoft.com/office/infopath/2007/PartnerControls">
-  <documentManagement/>
-</p:properties>
-</file>
-
-<file path=customXml/item2.xml><?xml version="1.0" encoding="utf-8"?>
-<?mso-contentType ?>
-<FormTemplates xmlns="http://schemas.microsoft.com/sharepoint/v3/contenttype/forms">
-  <Display>DocumentLibraryForm</Display>
-  <Edit>DocumentLibraryForm</Edit>
-  <New>DocumentLibraryForm</New>
-</FormTemplates>
-</file>
-
-<file path=customXml/item3.xml><?xml version="1.0" encoding="utf-8"?>
 <ct:contentTypeSchema xmlns:ct="http://schemas.microsoft.com/office/2006/metadata/contentType" xmlns:ma="http://schemas.microsoft.com/office/2006/metadata/properties/metaAttributes" ct:_="" ma:_="" ma:contentTypeName="Document" ma:contentTypeID="0x010100F4AA61D57666C1489029D76EE03B5064" ma:contentTypeVersion="2" ma:contentTypeDescription="Create a new document." ma:contentTypeScope="" ma:versionID="6734609ceef17ad3ec141fcb62d4f97a">
   <xsd:schema xmlns:xsd="http://www.w3.org/2001/XMLSchema" xmlns:xs="http://www.w3.org/2001/XMLSchema" xmlns:p="http://schemas.microsoft.com/office/2006/metadata/properties" xmlns:ns3="83dc337e-600b-4146-95d9-28c409f873c1" targetNamespace="http://schemas.microsoft.com/office/2006/metadata/properties" ma:root="true" ma:fieldsID="b3cd8751b006b2806f10f0bde97f2f1a" ns3:_="">
     <xsd:import namespace="83dc337e-600b-4146-95d9-28c409f873c1"/>
@@ -16800,31 +17659,22 @@
 </ct:contentTypeSchema>
 </file>
 
-<file path=customXml/itemProps1.xml><?xml version="1.0" encoding="utf-8"?>
-<ds:datastoreItem xmlns:ds="http://schemas.openxmlformats.org/officeDocument/2006/customXml" ds:itemID="{4D5BAB77-79E1-4739-AA51-10C9079186D6}">
-  <ds:schemaRefs>
-    <ds:schemaRef ds:uri="http://schemas.microsoft.com/office/2006/documentManagement/types"/>
-    <ds:schemaRef ds:uri="http://schemas.microsoft.com/office/2006/metadata/properties"/>
-    <ds:schemaRef ds:uri="http://purl.org/dc/terms/"/>
-    <ds:schemaRef ds:uri="http://schemas.openxmlformats.org/package/2006/metadata/core-properties"/>
-    <ds:schemaRef ds:uri="http://purl.org/dc/dcmitype/"/>
-    <ds:schemaRef ds:uri="http://schemas.microsoft.com/office/infopath/2007/PartnerControls"/>
-    <ds:schemaRef ds:uri="83dc337e-600b-4146-95d9-28c409f873c1"/>
-    <ds:schemaRef ds:uri="http://www.w3.org/XML/1998/namespace"/>
-    <ds:schemaRef ds:uri="http://purl.org/dc/elements/1.1/"/>
-  </ds:schemaRefs>
-</ds:datastoreItem>
+<file path=customXml/item2.xml><?xml version="1.0" encoding="utf-8"?>
+<?mso-contentType ?>
+<FormTemplates xmlns="http://schemas.microsoft.com/sharepoint/v3/contenttype/forms">
+  <Display>DocumentLibraryForm</Display>
+  <Edit>DocumentLibraryForm</Edit>
+  <New>DocumentLibraryForm</New>
+</FormTemplates>
 </file>
 
-<file path=customXml/itemProps2.xml><?xml version="1.0" encoding="utf-8"?>
-<ds:datastoreItem xmlns:ds="http://schemas.openxmlformats.org/officeDocument/2006/customXml" ds:itemID="{85334180-0405-413B-834A-44FA9E05ADB7}">
-  <ds:schemaRefs>
-    <ds:schemaRef ds:uri="http://schemas.microsoft.com/sharepoint/v3/contenttype/forms"/>
-  </ds:schemaRefs>
-</ds:datastoreItem>
+<file path=customXml/item3.xml><?xml version="1.0" encoding="utf-8"?>
+<p:properties xmlns:p="http://schemas.microsoft.com/office/2006/metadata/properties" xmlns:xsi="http://www.w3.org/2001/XMLSchema-instance" xmlns:pc="http://schemas.microsoft.com/office/infopath/2007/PartnerControls">
+  <documentManagement/>
+</p:properties>
 </file>
 
-<file path=customXml/itemProps3.xml><?xml version="1.0" encoding="utf-8"?>
+<file path=customXml/itemProps1.xml><?xml version="1.0" encoding="utf-8"?>
 <ds:datastoreItem xmlns:ds="http://schemas.openxmlformats.org/officeDocument/2006/customXml" ds:itemID="{D37C4511-4C59-4276-94F2-7CD7A80B7062}">
   <ds:schemaRefs>
     <ds:schemaRef ds:uri="http://schemas.microsoft.com/office/2006/metadata/contentType"/>
@@ -16842,6 +17692,30 @@
 </ds:datastoreItem>
 </file>
 
+<file path=customXml/itemProps2.xml><?xml version="1.0" encoding="utf-8"?>
+<ds:datastoreItem xmlns:ds="http://schemas.openxmlformats.org/officeDocument/2006/customXml" ds:itemID="{85334180-0405-413B-834A-44FA9E05ADB7}">
+  <ds:schemaRefs>
+    <ds:schemaRef ds:uri="http://schemas.microsoft.com/sharepoint/v3/contenttype/forms"/>
+  </ds:schemaRefs>
+</ds:datastoreItem>
+</file>
+
+<file path=customXml/itemProps3.xml><?xml version="1.0" encoding="utf-8"?>
+<ds:datastoreItem xmlns:ds="http://schemas.openxmlformats.org/officeDocument/2006/customXml" ds:itemID="{4D5BAB77-79E1-4739-AA51-10C9079186D6}">
+  <ds:schemaRefs>
+    <ds:schemaRef ds:uri="http://schemas.microsoft.com/office/2006/documentManagement/types"/>
+    <ds:schemaRef ds:uri="http://schemas.microsoft.com/office/2006/metadata/properties"/>
+    <ds:schemaRef ds:uri="http://purl.org/dc/terms/"/>
+    <ds:schemaRef ds:uri="http://schemas.openxmlformats.org/package/2006/metadata/core-properties"/>
+    <ds:schemaRef ds:uri="http://purl.org/dc/dcmitype/"/>
+    <ds:schemaRef ds:uri="http://schemas.microsoft.com/office/infopath/2007/PartnerControls"/>
+    <ds:schemaRef ds:uri="83dc337e-600b-4146-95d9-28c409f873c1"/>
+    <ds:schemaRef ds:uri="http://www.w3.org/XML/1998/namespace"/>
+    <ds:schemaRef ds:uri="http://purl.org/dc/elements/1.1/"/>
+  </ds:schemaRefs>
+</ds:datastoreItem>
+</file>
+
 <file path=docMetadata/LabelInfo.xml><?xml version="1.0" encoding="utf-8"?>
 <clbl:labelList xmlns:clbl="http://schemas.microsoft.com/office/2020/mipLabelMetadata">
   <clbl:label id="{f42aa342-8706-4288-bd11-ebb85995028c}" enabled="1" method="Standard" siteId="{72f988bf-86f1-41af-91ab-2d7cd011db47}" removed="0"/>
